--- a/OculusQuest快速入门/quest相关.pptx
+++ b/OculusQuest快速入门/quest相关.pptx
@@ -15,9 +15,15 @@
     <p:sldId id="262" r:id="rId7"/>
     <p:sldId id="263" r:id="rId8"/>
     <p:sldId id="264" r:id="rId9"/>
-    <p:sldId id="265" r:id="rId11"/>
-    <p:sldId id="266" r:id="rId12"/>
-    <p:sldId id="267" r:id="rId13"/>
+    <p:sldId id="272" r:id="rId11"/>
+    <p:sldId id="265" r:id="rId12"/>
+    <p:sldId id="266" r:id="rId13"/>
+    <p:sldId id="267" r:id="rId14"/>
+    <p:sldId id="268" r:id="rId15"/>
+    <p:sldId id="269" r:id="rId16"/>
+    <p:sldId id="270" r:id="rId17"/>
+    <p:sldId id="271" r:id="rId18"/>
+    <p:sldId id="273" r:id="rId19"/>
   </p:sldIdLst>
   <p:sldSz cx="12192000" cy="6858000"/>
   <p:notesSz cx="6858000" cy="9144000"/>
@@ -500,7 +506,14 @@
           <a:p>
             <a:r>
               <a:rPr lang="zh-CN" altLang="en-US"/>
-              <a:t>http://developer.android.com/tools/help/adb.html</a:t>
+              <a:t>http://developer.android.com/tools/help/adb.html </a:t>
+            </a:r>
+            <a:endParaRPr lang="zh-CN" altLang="en-US"/>
+          </a:p>
+          <a:p>
+            <a:r>
+              <a:rPr lang="zh-CN" altLang="en-US"/>
+              <a:t>https://developer.android.com/studio/command-line/adb</a:t>
             </a:r>
             <a:endParaRPr lang="zh-CN" altLang="en-US"/>
           </a:p>
@@ -3379,6 +3392,48 @@
         </p:blipFill>
         <p:spPr>
           <a:xfrm>
+            <a:off x="581025" y="2076450"/>
+            <a:ext cx="11029950" cy="2705100"/>
+          </a:xfrm>
+          <a:prstGeom prst="rect">
+            <a:avLst/>
+          </a:prstGeom>
+        </p:spPr>
+      </p:pic>
+    </p:spTree>
+  </p:cSld>
+  <p:clrMapOvr>
+    <a:masterClrMapping/>
+  </p:clrMapOvr>
+</p:sld>
+</file>
+
+<file path=ppt/slides/slide11.xml><?xml version="1.0" encoding="utf-8"?>
+<p:sld xmlns:a="http://schemas.openxmlformats.org/drawingml/2006/main" xmlns:r="http://schemas.openxmlformats.org/officeDocument/2006/relationships" xmlns:p="http://schemas.openxmlformats.org/presentationml/2006/main">
+  <p:cSld>
+    <p:spTree>
+      <p:nvGrpSpPr>
+        <p:cNvPr id="1" name=""/>
+        <p:cNvGrpSpPr/>
+        <p:nvPr/>
+      </p:nvGrpSpPr>
+      <p:grpSpPr/>
+      <p:pic>
+        <p:nvPicPr>
+          <p:cNvPr id="2" name="图片 1"/>
+          <p:cNvPicPr>
+            <a:picLocks noChangeAspect="1"/>
+          </p:cNvPicPr>
+          <p:nvPr/>
+        </p:nvPicPr>
+        <p:blipFill>
+          <a:blip r:embed="rId1"/>
+          <a:stretch>
+            <a:fillRect/>
+          </a:stretch>
+        </p:blipFill>
+        <p:spPr>
+          <a:xfrm>
             <a:off x="542925" y="304800"/>
             <a:ext cx="11106150" cy="6248400"/>
           </a:xfrm>
@@ -3387,6 +3442,318 @@
           </a:prstGeom>
         </p:spPr>
       </p:pic>
+    </p:spTree>
+  </p:cSld>
+  <p:clrMapOvr>
+    <a:masterClrMapping/>
+  </p:clrMapOvr>
+</p:sld>
+</file>
+
+<file path=ppt/slides/slide12.xml><?xml version="1.0" encoding="utf-8"?>
+<p:sld xmlns:a="http://schemas.openxmlformats.org/drawingml/2006/main" xmlns:r="http://schemas.openxmlformats.org/officeDocument/2006/relationships" xmlns:p="http://schemas.openxmlformats.org/presentationml/2006/main">
+  <p:cSld>
+    <p:spTree>
+      <p:nvGrpSpPr>
+        <p:cNvPr id="1" name=""/>
+        <p:cNvGrpSpPr/>
+        <p:nvPr/>
+      </p:nvGrpSpPr>
+      <p:grpSpPr/>
+      <p:sp>
+        <p:nvSpPr>
+          <p:cNvPr id="3" name="标题 2"/>
+          <p:cNvSpPr>
+            <a:spLocks noGrp="1"/>
+          </p:cNvSpPr>
+          <p:nvPr>
+            <p:ph type="title"/>
+          </p:nvPr>
+        </p:nvSpPr>
+        <p:spPr/>
+        <p:txBody>
+          <a:bodyPr/>
+          <a:p>
+            <a:r>
+              <a:rPr lang="en-US" altLang="zh-CN"/>
+              <a:t>ALVR</a:t>
+            </a:r>
+            <a:endParaRPr lang="en-US" altLang="zh-CN"/>
+          </a:p>
+        </p:txBody>
+      </p:sp>
+      <p:sp>
+        <p:nvSpPr>
+          <p:cNvPr id="4" name="内容占位符 3"/>
+          <p:cNvSpPr>
+            <a:spLocks noGrp="1"/>
+          </p:cNvSpPr>
+          <p:nvPr>
+            <p:ph idx="1"/>
+          </p:nvPr>
+        </p:nvSpPr>
+        <p:spPr/>
+        <p:txBody>
+          <a:bodyPr/>
+          <a:p>
+            <a:r>
+              <a:rPr lang="zh-CN" altLang="en-US">
+                <a:sym typeface="+mn-ea"/>
+              </a:rPr>
+              <a:t>串流</a:t>
+            </a:r>
+            <a:endParaRPr lang="zh-CN" altLang="en-US"/>
+          </a:p>
+          <a:p>
+            <a:endParaRPr lang="zh-CN" altLang="en-US"/>
+          </a:p>
+        </p:txBody>
+      </p:sp>
+      <p:pic>
+        <p:nvPicPr>
+          <p:cNvPr id="2" name="图片 1"/>
+          <p:cNvPicPr>
+            <a:picLocks noChangeAspect="1"/>
+          </p:cNvPicPr>
+          <p:nvPr/>
+        </p:nvPicPr>
+        <p:blipFill>
+          <a:blip r:embed="rId1"/>
+          <a:stretch>
+            <a:fillRect/>
+          </a:stretch>
+        </p:blipFill>
+        <p:spPr>
+          <a:xfrm>
+            <a:off x="3601085" y="747395"/>
+            <a:ext cx="4989195" cy="5744210"/>
+          </a:xfrm>
+          <a:prstGeom prst="rect">
+            <a:avLst/>
+          </a:prstGeom>
+        </p:spPr>
+      </p:pic>
+    </p:spTree>
+  </p:cSld>
+  <p:clrMapOvr>
+    <a:masterClrMapping/>
+  </p:clrMapOvr>
+</p:sld>
+</file>
+
+<file path=ppt/slides/slide13.xml><?xml version="1.0" encoding="utf-8"?>
+<p:sld xmlns:a="http://schemas.openxmlformats.org/drawingml/2006/main" xmlns:r="http://schemas.openxmlformats.org/officeDocument/2006/relationships" xmlns:p="http://schemas.openxmlformats.org/presentationml/2006/main">
+  <p:cSld>
+    <p:spTree>
+      <p:nvGrpSpPr>
+        <p:cNvPr id="1" name=""/>
+        <p:cNvGrpSpPr/>
+        <p:nvPr/>
+      </p:nvGrpSpPr>
+      <p:grpSpPr/>
+      <p:pic>
+        <p:nvPicPr>
+          <p:cNvPr id="2" name="图片 1"/>
+          <p:cNvPicPr>
+            <a:picLocks noChangeAspect="1"/>
+          </p:cNvPicPr>
+          <p:nvPr/>
+        </p:nvPicPr>
+        <p:blipFill>
+          <a:blip r:embed="rId1"/>
+          <a:stretch>
+            <a:fillRect/>
+          </a:stretch>
+        </p:blipFill>
+        <p:spPr>
+          <a:xfrm>
+            <a:off x="1572895" y="535305"/>
+            <a:ext cx="9046845" cy="6109970"/>
+          </a:xfrm>
+          <a:prstGeom prst="rect">
+            <a:avLst/>
+          </a:prstGeom>
+        </p:spPr>
+      </p:pic>
+    </p:spTree>
+  </p:cSld>
+  <p:clrMapOvr>
+    <a:masterClrMapping/>
+  </p:clrMapOvr>
+</p:sld>
+</file>
+
+<file path=ppt/slides/slide14.xml><?xml version="1.0" encoding="utf-8"?>
+<p:sld xmlns:a="http://schemas.openxmlformats.org/drawingml/2006/main" xmlns:r="http://schemas.openxmlformats.org/officeDocument/2006/relationships" xmlns:p="http://schemas.openxmlformats.org/presentationml/2006/main">
+  <p:cSld>
+    <p:spTree>
+      <p:nvGrpSpPr>
+        <p:cNvPr id="1" name=""/>
+        <p:cNvGrpSpPr/>
+        <p:nvPr/>
+      </p:nvGrpSpPr>
+      <p:grpSpPr/>
+      <p:pic>
+        <p:nvPicPr>
+          <p:cNvPr id="2" name="图片 1"/>
+          <p:cNvPicPr>
+            <a:picLocks noChangeAspect="1"/>
+          </p:cNvPicPr>
+          <p:nvPr/>
+        </p:nvPicPr>
+        <p:blipFill>
+          <a:blip r:embed="rId1"/>
+          <a:stretch>
+            <a:fillRect/>
+          </a:stretch>
+        </p:blipFill>
+        <p:spPr>
+          <a:xfrm>
+            <a:off x="428625" y="1323975"/>
+            <a:ext cx="11334750" cy="4210050"/>
+          </a:xfrm>
+          <a:prstGeom prst="rect">
+            <a:avLst/>
+          </a:prstGeom>
+        </p:spPr>
+      </p:pic>
+    </p:spTree>
+  </p:cSld>
+  <p:clrMapOvr>
+    <a:masterClrMapping/>
+  </p:clrMapOvr>
+</p:sld>
+</file>
+
+<file path=ppt/slides/slide15.xml><?xml version="1.0" encoding="utf-8"?>
+<p:sld xmlns:a="http://schemas.openxmlformats.org/drawingml/2006/main" xmlns:r="http://schemas.openxmlformats.org/officeDocument/2006/relationships" xmlns:p="http://schemas.openxmlformats.org/presentationml/2006/main">
+  <p:cSld>
+    <p:spTree>
+      <p:nvGrpSpPr>
+        <p:cNvPr id="1" name=""/>
+        <p:cNvGrpSpPr/>
+        <p:nvPr/>
+      </p:nvGrpSpPr>
+      <p:grpSpPr/>
+      <p:pic>
+        <p:nvPicPr>
+          <p:cNvPr id="2" name="图片 1"/>
+          <p:cNvPicPr>
+            <a:picLocks noChangeAspect="1"/>
+          </p:cNvPicPr>
+          <p:nvPr/>
+        </p:nvPicPr>
+        <p:blipFill>
+          <a:blip r:embed="rId1"/>
+          <a:stretch>
+            <a:fillRect/>
+          </a:stretch>
+        </p:blipFill>
+        <p:spPr>
+          <a:xfrm>
+            <a:off x="633095" y="1642745"/>
+            <a:ext cx="10925175" cy="3571875"/>
+          </a:xfrm>
+          <a:prstGeom prst="rect">
+            <a:avLst/>
+          </a:prstGeom>
+        </p:spPr>
+      </p:pic>
+    </p:spTree>
+  </p:cSld>
+  <p:clrMapOvr>
+    <a:masterClrMapping/>
+  </p:clrMapOvr>
+</p:sld>
+</file>
+
+<file path=ppt/slides/slide16.xml><?xml version="1.0" encoding="utf-8"?>
+<p:sld xmlns:a="http://schemas.openxmlformats.org/drawingml/2006/main" xmlns:r="http://schemas.openxmlformats.org/officeDocument/2006/relationships" xmlns:p="http://schemas.openxmlformats.org/presentationml/2006/main">
+  <p:cSld>
+    <p:spTree>
+      <p:nvGrpSpPr>
+        <p:cNvPr id="1" name=""/>
+        <p:cNvGrpSpPr/>
+        <p:nvPr/>
+      </p:nvGrpSpPr>
+      <p:grpSpPr/>
+      <p:sp>
+        <p:nvSpPr>
+          <p:cNvPr id="2" name="标题 1"/>
+          <p:cNvSpPr>
+            <a:spLocks noGrp="1"/>
+          </p:cNvSpPr>
+          <p:nvPr>
+            <p:ph type="title"/>
+          </p:nvPr>
+        </p:nvSpPr>
+        <p:spPr/>
+        <p:txBody>
+          <a:bodyPr/>
+          <a:p>
+            <a:r>
+              <a:rPr lang="en-US" altLang="zh-CN"/>
+              <a:t>TODO</a:t>
+            </a:r>
+            <a:endParaRPr lang="en-US" altLang="zh-CN"/>
+          </a:p>
+        </p:txBody>
+      </p:sp>
+      <p:sp>
+        <p:nvSpPr>
+          <p:cNvPr id="3" name="内容占位符 2"/>
+          <p:cNvSpPr>
+            <a:spLocks noGrp="1"/>
+          </p:cNvSpPr>
+          <p:nvPr>
+            <p:ph idx="1"/>
+          </p:nvPr>
+        </p:nvSpPr>
+        <p:spPr/>
+        <p:txBody>
+          <a:bodyPr/>
+          <a:p>
+            <a:r>
+              <a:rPr lang="zh-CN" altLang="en-US"/>
+              <a:t>开发者账号</a:t>
+            </a:r>
+            <a:endParaRPr lang="zh-CN" altLang="en-US"/>
+          </a:p>
+          <a:p>
+            <a:r>
+              <a:rPr lang="zh-CN" altLang="en-US"/>
+              <a:t>开启开发者模式</a:t>
+            </a:r>
+            <a:endParaRPr lang="zh-CN" altLang="en-US"/>
+          </a:p>
+          <a:p>
+            <a:r>
+              <a:rPr lang="zh-CN" altLang="en-US"/>
+              <a:t>未知来源安装（早期的</a:t>
+            </a:r>
+            <a:r>
+              <a:rPr lang="en-US" altLang="zh-CN"/>
+              <a:t>library</a:t>
+            </a:r>
+            <a:r>
+              <a:rPr lang="zh-CN" altLang="en-US"/>
+              <a:t>）</a:t>
+            </a:r>
+            <a:endParaRPr lang="zh-CN" altLang="en-US"/>
+          </a:p>
+          <a:p>
+            <a:r>
+              <a:rPr lang="zh-CN" altLang="en-US"/>
+              <a:t>安装</a:t>
+            </a:r>
+            <a:r>
+              <a:rPr lang="en-US" altLang="zh-CN"/>
+              <a:t>ALVR</a:t>
+            </a:r>
+            <a:endParaRPr lang="en-US" altLang="zh-CN"/>
+          </a:p>
+        </p:txBody>
+      </p:sp>
     </p:spTree>
   </p:cSld>
   <p:clrMapOvr>
@@ -3673,8 +4040,8 @@
         </p:blipFill>
         <p:spPr>
           <a:xfrm>
-            <a:off x="638175" y="328295"/>
-            <a:ext cx="10915650" cy="6200775"/>
+            <a:off x="1880870" y="3057525"/>
+            <a:ext cx="8429625" cy="742950"/>
           </a:xfrm>
           <a:prstGeom prst="rect">
             <a:avLst/>
@@ -3715,8 +4082,8 @@
         </p:blipFill>
         <p:spPr>
           <a:xfrm>
-            <a:off x="581025" y="2076450"/>
-            <a:ext cx="11029950" cy="2705100"/>
+            <a:off x="638175" y="328295"/>
+            <a:ext cx="10915650" cy="6200775"/>
           </a:xfrm>
           <a:prstGeom prst="rect">
             <a:avLst/>

--- a/OculusQuest快速入门/quest相关.pptx
+++ b/OculusQuest快速入门/quest相关.pptx
@@ -24,6 +24,13 @@
     <p:sldId id="270" r:id="rId17"/>
     <p:sldId id="271" r:id="rId18"/>
     <p:sldId id="273" r:id="rId19"/>
+    <p:sldId id="282" r:id="rId20"/>
+    <p:sldId id="283" r:id="rId21"/>
+    <p:sldId id="284" r:id="rId22"/>
+    <p:sldId id="285" r:id="rId23"/>
+    <p:sldId id="286" r:id="rId24"/>
+    <p:sldId id="288" r:id="rId25"/>
+    <p:sldId id="289" r:id="rId26"/>
   </p:sldIdLst>
   <p:sldSz cx="12192000" cy="6858000"/>
   <p:notesSz cx="6858000" cy="9144000"/>
@@ -3762,6 +3769,212 @@
 </p:sld>
 </file>
 
+<file path=ppt/slides/slide17.xml><?xml version="1.0" encoding="utf-8"?>
+<p:sld xmlns:a="http://schemas.openxmlformats.org/drawingml/2006/main" xmlns:r="http://schemas.openxmlformats.org/officeDocument/2006/relationships" xmlns:p="http://schemas.openxmlformats.org/presentationml/2006/main">
+  <p:cSld>
+    <p:spTree>
+      <p:nvGrpSpPr>
+        <p:cNvPr id="1" name=""/>
+        <p:cNvGrpSpPr/>
+        <p:nvPr/>
+      </p:nvGrpSpPr>
+      <p:grpSpPr/>
+      <p:sp>
+        <p:nvSpPr>
+          <p:cNvPr id="2" name="标题 1"/>
+          <p:cNvSpPr>
+            <a:spLocks noGrp="1"/>
+          </p:cNvSpPr>
+          <p:nvPr>
+            <p:ph type="title"/>
+          </p:nvPr>
+        </p:nvSpPr>
+        <p:spPr/>
+        <p:txBody>
+          <a:bodyPr/>
+          <a:p>
+            <a:r>
+              <a:rPr lang="en-US" altLang="zh-CN"/>
+              <a:t>DOWN</a:t>
+            </a:r>
+            <a:endParaRPr lang="en-US" altLang="zh-CN"/>
+          </a:p>
+        </p:txBody>
+      </p:sp>
+      <p:sp>
+        <p:nvSpPr>
+          <p:cNvPr id="3" name="内容占位符 2"/>
+          <p:cNvSpPr>
+            <a:spLocks noGrp="1"/>
+          </p:cNvSpPr>
+          <p:nvPr>
+            <p:ph idx="1"/>
+          </p:nvPr>
+        </p:nvSpPr>
+        <p:spPr/>
+        <p:txBody>
+          <a:bodyPr/>
+          <a:p>
+            <a:r>
+              <a:rPr lang="zh-CN" altLang="en-US"/>
+              <a:t>开发者账号注册一次就</a:t>
+            </a:r>
+            <a:r>
+              <a:rPr lang="en-US" altLang="zh-CN"/>
+              <a:t>ok</a:t>
+            </a:r>
+            <a:r>
+              <a:rPr lang="zh-CN" altLang="en-US"/>
+              <a:t>了</a:t>
+            </a:r>
+            <a:endParaRPr lang="zh-CN" altLang="en-US"/>
+          </a:p>
+          <a:p>
+            <a:r>
+              <a:rPr lang="zh-CN" altLang="en-US"/>
+              <a:t>借助梯子，登录</a:t>
+            </a:r>
+            <a:r>
+              <a:rPr lang="en-US" altLang="zh-CN"/>
+              <a:t>oculus app,</a:t>
+            </a:r>
+            <a:r>
+              <a:rPr lang="zh-CN" altLang="en-US"/>
+              <a:t>登录设备关联账号</a:t>
+            </a:r>
+            <a:endParaRPr lang="zh-CN" altLang="en-US"/>
+          </a:p>
+          <a:p>
+            <a:r>
+              <a:rPr lang="zh-CN" altLang="en-US"/>
+              <a:t>实验性功能：不启用新版通用菜单</a:t>
+            </a:r>
+            <a:endParaRPr lang="zh-CN" altLang="en-US"/>
+          </a:p>
+          <a:p>
+            <a:r>
+              <a:rPr lang="zh-CN" altLang="en-US"/>
+              <a:t>安装</a:t>
+            </a:r>
+            <a:r>
+              <a:rPr lang="en-US" altLang="zh-CN"/>
+              <a:t>ALVR ,PC</a:t>
+            </a:r>
+            <a:r>
+              <a:rPr lang="zh-CN" altLang="en-US"/>
+              <a:t>端启用</a:t>
+            </a:r>
+            <a:r>
+              <a:rPr lang="en-US" altLang="zh-CN"/>
+              <a:t>sever</a:t>
+            </a:r>
+            <a:endParaRPr lang="en-US" altLang="zh-CN"/>
+          </a:p>
+          <a:p>
+            <a:r>
+              <a:rPr lang="en-US" altLang="zh-CN"/>
+              <a:t>sidequest </a:t>
+            </a:r>
+            <a:r>
+              <a:rPr lang="zh-CN" altLang="en-US"/>
+              <a:t>投屏</a:t>
+            </a:r>
+            <a:endParaRPr lang="zh-CN" altLang="en-US"/>
+          </a:p>
+        </p:txBody>
+      </p:sp>
+    </p:spTree>
+  </p:cSld>
+  <p:clrMapOvr>
+    <a:masterClrMapping/>
+  </p:clrMapOvr>
+</p:sld>
+</file>
+
+<file path=ppt/slides/slide18.xml><?xml version="1.0" encoding="utf-8"?>
+<p:sld xmlns:a="http://schemas.openxmlformats.org/drawingml/2006/main" xmlns:r="http://schemas.openxmlformats.org/officeDocument/2006/relationships" xmlns:p="http://schemas.openxmlformats.org/presentationml/2006/main">
+  <p:cSld>
+    <p:spTree>
+      <p:nvGrpSpPr>
+        <p:cNvPr id="1" name=""/>
+        <p:cNvGrpSpPr/>
+        <p:nvPr/>
+      </p:nvGrpSpPr>
+      <p:grpSpPr/>
+      <p:pic>
+        <p:nvPicPr>
+          <p:cNvPr id="2" name="图片 1"/>
+          <p:cNvPicPr>
+            <a:picLocks noChangeAspect="1"/>
+          </p:cNvPicPr>
+          <p:nvPr/>
+        </p:nvPicPr>
+        <p:blipFill>
+          <a:blip r:embed="rId1"/>
+          <a:stretch>
+            <a:fillRect/>
+          </a:stretch>
+        </p:blipFill>
+        <p:spPr>
+          <a:xfrm>
+            <a:off x="1919605" y="610870"/>
+            <a:ext cx="8353425" cy="6115050"/>
+          </a:xfrm>
+          <a:prstGeom prst="rect">
+            <a:avLst/>
+          </a:prstGeom>
+        </p:spPr>
+      </p:pic>
+    </p:spTree>
+  </p:cSld>
+  <p:clrMapOvr>
+    <a:masterClrMapping/>
+  </p:clrMapOvr>
+</p:sld>
+</file>
+
+<file path=ppt/slides/slide19.xml><?xml version="1.0" encoding="utf-8"?>
+<p:sld xmlns:a="http://schemas.openxmlformats.org/drawingml/2006/main" xmlns:r="http://schemas.openxmlformats.org/officeDocument/2006/relationships" xmlns:p="http://schemas.openxmlformats.org/presentationml/2006/main">
+  <p:cSld>
+    <p:spTree>
+      <p:nvGrpSpPr>
+        <p:cNvPr id="1" name=""/>
+        <p:cNvGrpSpPr/>
+        <p:nvPr/>
+      </p:nvGrpSpPr>
+      <p:grpSpPr/>
+      <p:pic>
+        <p:nvPicPr>
+          <p:cNvPr id="2" name="图片 1"/>
+          <p:cNvPicPr>
+            <a:picLocks noChangeAspect="1"/>
+          </p:cNvPicPr>
+          <p:nvPr/>
+        </p:nvPicPr>
+        <p:blipFill>
+          <a:blip r:embed="rId1"/>
+          <a:stretch>
+            <a:fillRect/>
+          </a:stretch>
+        </p:blipFill>
+        <p:spPr>
+          <a:xfrm>
+            <a:off x="1874520" y="1714500"/>
+            <a:ext cx="9667875" cy="3429000"/>
+          </a:xfrm>
+          <a:prstGeom prst="rect">
+            <a:avLst/>
+          </a:prstGeom>
+        </p:spPr>
+      </p:pic>
+    </p:spTree>
+  </p:cSld>
+  <p:clrMapOvr>
+    <a:masterClrMapping/>
+  </p:clrMapOvr>
+</p:sld>
+</file>
+
 <file path=ppt/slides/slide2.xml><?xml version="1.0" encoding="utf-8"?>
 <p:sld xmlns:a="http://schemas.openxmlformats.org/drawingml/2006/main" xmlns:r="http://schemas.openxmlformats.org/officeDocument/2006/relationships" xmlns:p="http://schemas.openxmlformats.org/presentationml/2006/main">
   <p:cSld>
@@ -3796,6 +4009,381 @@
           </a:prstGeom>
         </p:spPr>
       </p:pic>
+    </p:spTree>
+  </p:cSld>
+  <p:clrMapOvr>
+    <a:masterClrMapping/>
+  </p:clrMapOvr>
+</p:sld>
+</file>
+
+<file path=ppt/slides/slide20.xml><?xml version="1.0" encoding="utf-8"?>
+<p:sld xmlns:a="http://schemas.openxmlformats.org/drawingml/2006/main" xmlns:r="http://schemas.openxmlformats.org/officeDocument/2006/relationships" xmlns:p="http://schemas.openxmlformats.org/presentationml/2006/main">
+  <p:cSld>
+    <p:spTree>
+      <p:nvGrpSpPr>
+        <p:cNvPr id="1" name=""/>
+        <p:cNvGrpSpPr/>
+        <p:nvPr/>
+      </p:nvGrpSpPr>
+      <p:grpSpPr/>
+      <p:pic>
+        <p:nvPicPr>
+          <p:cNvPr id="2" name="图片 1"/>
+          <p:cNvPicPr>
+            <a:picLocks noChangeAspect="1"/>
+          </p:cNvPicPr>
+          <p:nvPr/>
+        </p:nvPicPr>
+        <p:blipFill>
+          <a:blip r:embed="rId1"/>
+          <a:stretch>
+            <a:fillRect/>
+          </a:stretch>
+        </p:blipFill>
+        <p:spPr>
+          <a:xfrm>
+            <a:off x="1616710" y="1683385"/>
+            <a:ext cx="9742805" cy="3306445"/>
+          </a:xfrm>
+          <a:prstGeom prst="rect">
+            <a:avLst/>
+          </a:prstGeom>
+        </p:spPr>
+      </p:pic>
+    </p:spTree>
+  </p:cSld>
+  <p:clrMapOvr>
+    <a:masterClrMapping/>
+  </p:clrMapOvr>
+</p:sld>
+</file>
+
+<file path=ppt/slides/slide21.xml><?xml version="1.0" encoding="utf-8"?>
+<p:sld xmlns:a="http://schemas.openxmlformats.org/drawingml/2006/main" xmlns:r="http://schemas.openxmlformats.org/officeDocument/2006/relationships" xmlns:p="http://schemas.openxmlformats.org/presentationml/2006/main">
+  <p:cSld>
+    <p:spTree>
+      <p:nvGrpSpPr>
+        <p:cNvPr id="1" name=""/>
+        <p:cNvGrpSpPr/>
+        <p:nvPr/>
+      </p:nvGrpSpPr>
+      <p:grpSpPr/>
+      <p:sp>
+        <p:nvSpPr>
+          <p:cNvPr id="2" name="标题 1"/>
+          <p:cNvSpPr>
+            <a:spLocks noGrp="1"/>
+          </p:cNvSpPr>
+          <p:nvPr>
+            <p:ph type="title"/>
+          </p:nvPr>
+        </p:nvSpPr>
+        <p:spPr/>
+        <p:txBody>
+          <a:bodyPr/>
+          <a:p>
+            <a:endParaRPr lang="zh-CN" altLang="en-US"/>
+          </a:p>
+        </p:txBody>
+      </p:sp>
+      <p:sp>
+        <p:nvSpPr>
+          <p:cNvPr id="3" name="文本占位符 2"/>
+          <p:cNvSpPr>
+            <a:spLocks noGrp="1"/>
+          </p:cNvSpPr>
+          <p:nvPr>
+            <p:ph type="body" idx="1"/>
+          </p:nvPr>
+        </p:nvSpPr>
+        <p:spPr/>
+        <p:txBody>
+          <a:bodyPr/>
+          <a:p>
+            <a:r>
+              <a:rPr lang="en-US" altLang="zh-CN"/>
+              <a:t>alvr</a:t>
+            </a:r>
+            <a:r>
+              <a:rPr lang="zh-CN" altLang="en-US"/>
+              <a:t>常见故障与解决方法</a:t>
+            </a:r>
+            <a:endParaRPr lang="zh-CN" altLang="en-US"/>
+          </a:p>
+        </p:txBody>
+      </p:sp>
+      <p:sp>
+        <p:nvSpPr>
+          <p:cNvPr id="4" name="内容占位符 3"/>
+          <p:cNvSpPr>
+            <a:spLocks noGrp="1"/>
+          </p:cNvSpPr>
+          <p:nvPr>
+            <p:ph sz="half" idx="2"/>
+          </p:nvPr>
+        </p:nvSpPr>
+        <p:spPr/>
+        <p:txBody>
+          <a:bodyPr/>
+          <a:p>
+            <a:r>
+              <a:rPr lang="zh-CN" altLang="en-US"/>
+              <a:t>https://github.com/polygraphene/ALVR/wiki/Troubleshooting#2-try-to-terminate-vrserverexe-vrcompositorexe-vrmonitorexe-from-task-manager-and-retry</a:t>
+            </a:r>
+            <a:endParaRPr lang="zh-CN" altLang="en-US"/>
+          </a:p>
+        </p:txBody>
+      </p:sp>
+      <p:sp>
+        <p:nvSpPr>
+          <p:cNvPr id="5" name="文本占位符 4"/>
+          <p:cNvSpPr>
+            <a:spLocks noGrp="1"/>
+          </p:cNvSpPr>
+          <p:nvPr>
+            <p:ph type="body" sz="quarter" idx="3"/>
+          </p:nvPr>
+        </p:nvSpPr>
+        <p:spPr/>
+        <p:txBody>
+          <a:bodyPr/>
+          <a:p>
+            <a:endParaRPr lang="zh-CN" altLang="en-US"/>
+          </a:p>
+        </p:txBody>
+      </p:sp>
+      <p:sp>
+        <p:nvSpPr>
+          <p:cNvPr id="6" name="内容占位符 5"/>
+          <p:cNvSpPr>
+            <a:spLocks noGrp="1"/>
+          </p:cNvSpPr>
+          <p:nvPr>
+            <p:ph sz="quarter" idx="4"/>
+          </p:nvPr>
+        </p:nvSpPr>
+        <p:spPr/>
+        <p:txBody>
+          <a:bodyPr/>
+          <a:p>
+            <a:endParaRPr lang="zh-CN" altLang="en-US"/>
+          </a:p>
+        </p:txBody>
+      </p:sp>
+    </p:spTree>
+  </p:cSld>
+  <p:clrMapOvr>
+    <a:masterClrMapping/>
+  </p:clrMapOvr>
+</p:sld>
+</file>
+
+<file path=ppt/slides/slide22.xml><?xml version="1.0" encoding="utf-8"?>
+<p:sld xmlns:a="http://schemas.openxmlformats.org/drawingml/2006/main" xmlns:r="http://schemas.openxmlformats.org/officeDocument/2006/relationships" xmlns:p="http://schemas.openxmlformats.org/presentationml/2006/main">
+  <p:cSld>
+    <p:spTree>
+      <p:nvGrpSpPr>
+        <p:cNvPr id="1" name=""/>
+        <p:cNvGrpSpPr/>
+        <p:nvPr/>
+      </p:nvGrpSpPr>
+      <p:grpSpPr/>
+      <p:sp>
+        <p:nvSpPr>
+          <p:cNvPr id="2" name="标题 1"/>
+          <p:cNvSpPr>
+            <a:spLocks noGrp="1"/>
+          </p:cNvSpPr>
+          <p:nvPr>
+            <p:ph type="title"/>
+          </p:nvPr>
+        </p:nvSpPr>
+        <p:spPr/>
+        <p:txBody>
+          <a:bodyPr/>
+          <a:p>
+            <a:endParaRPr lang="zh-CN" altLang="en-US"/>
+          </a:p>
+        </p:txBody>
+      </p:sp>
+      <p:sp>
+        <p:nvSpPr>
+          <p:cNvPr id="3" name="内容占位符 2"/>
+          <p:cNvSpPr>
+            <a:spLocks noGrp="1"/>
+          </p:cNvSpPr>
+          <p:nvPr>
+            <p:ph idx="1"/>
+          </p:nvPr>
+        </p:nvSpPr>
+        <p:spPr/>
+        <p:txBody>
+          <a:bodyPr>
+            <a:normAutofit fontScale="40000"/>
+          </a:bodyPr>
+          <a:p>
+            <a:r>
+              <a:rPr lang="zh-CN" altLang="en-US"/>
+              <a:t>VR 电脑性能测试</a:t>
+            </a:r>
+            <a:endParaRPr lang="zh-CN" altLang="en-US"/>
+          </a:p>
+          <a:p>
+            <a:r>
+              <a:rPr lang="zh-CN" altLang="en-US"/>
+              <a:t>https://store.steampowered.com/app/323910/SteamVR_Performance_Test/</a:t>
+            </a:r>
+            <a:endParaRPr lang="zh-CN" altLang="en-US"/>
+          </a:p>
+          <a:p>
+            <a:r>
+              <a:rPr lang="zh-CN" altLang="en-US"/>
+              <a:t>Oculus 开发者模式</a:t>
+            </a:r>
+            <a:endParaRPr lang="zh-CN" altLang="en-US"/>
+          </a:p>
+          <a:p>
+            <a:r>
+              <a:rPr lang="zh-CN" altLang="en-US"/>
+              <a:t>https://dashboard.oculus.com/</a:t>
+            </a:r>
+            <a:endParaRPr lang="zh-CN" altLang="en-US"/>
+          </a:p>
+          <a:p>
+            <a:r>
+              <a:rPr lang="zh-CN" altLang="en-US"/>
+              <a:t>SteamVR 高级设置插件</a:t>
+            </a:r>
+            <a:endParaRPr lang="zh-CN" altLang="en-US"/>
+          </a:p>
+          <a:p>
+            <a:r>
+              <a:rPr lang="zh-CN" altLang="en-US"/>
+              <a:t>https://github.com/OpenVR-Advanced-Settings/OpenVR-AdvancedSettings/releases</a:t>
+            </a:r>
+            <a:endParaRPr lang="zh-CN" altLang="en-US"/>
+          </a:p>
+          <a:p>
+            <a:r>
+              <a:rPr lang="zh-CN" altLang="en-US"/>
+              <a:t>下载 RiftCat</a:t>
+            </a:r>
+            <a:endParaRPr lang="zh-CN" altLang="en-US"/>
+          </a:p>
+          <a:p>
+            <a:r>
+              <a:rPr lang="zh-CN" altLang="en-US"/>
+              <a:t>https://riftcat.com/vridge</a:t>
+            </a:r>
+            <a:endParaRPr lang="zh-CN" altLang="en-US"/>
+          </a:p>
+          <a:p>
+            <a:r>
+              <a:rPr lang="zh-CN" altLang="en-US"/>
+              <a:t>下载 VRidge APK 和 ADB</a:t>
+            </a:r>
+            <a:endParaRPr lang="zh-CN" altLang="en-US"/>
+          </a:p>
+          <a:p>
+            <a:r>
+              <a:rPr lang="zh-CN" altLang="en-US"/>
+              <a:t>https://support.riftcat.com/hc/en-us/articles/360005631080-How-to-install-VRidge-on-Oculus-Quest-preview</a:t>
+            </a:r>
+            <a:endParaRPr lang="zh-CN" altLang="en-US"/>
+          </a:p>
+          <a:p>
+            <a:r>
+              <a:rPr lang="zh-CN" altLang="en-US"/>
+              <a:t>下载 WinRAR 压缩工具</a:t>
+            </a:r>
+            <a:endParaRPr lang="zh-CN" altLang="en-US"/>
+          </a:p>
+          <a:p>
+            <a:r>
+              <a:rPr lang="zh-CN" altLang="en-US"/>
+              <a:t>https://download.cnet.com/s/winrar/</a:t>
+            </a:r>
+            <a:endParaRPr lang="zh-CN" altLang="en-US"/>
+          </a:p>
+          <a:p>
+            <a:r>
+              <a:rPr lang="zh-CN" altLang="en-US"/>
+              <a:t>正版 RiftCat（九折）</a:t>
+            </a:r>
+            <a:endParaRPr lang="zh-CN" altLang="en-US"/>
+          </a:p>
+          <a:p>
+            <a:r>
+              <a:rPr lang="zh-CN" altLang="en-US"/>
+              <a:t>https://go.riftcat.com/VROasis</a:t>
+            </a:r>
+            <a:endParaRPr lang="zh-CN" altLang="en-US"/>
+          </a:p>
+        </p:txBody>
+      </p:sp>
+    </p:spTree>
+  </p:cSld>
+  <p:clrMapOvr>
+    <a:masterClrMapping/>
+  </p:clrMapOvr>
+</p:sld>
+</file>
+
+<file path=ppt/slides/slide23.xml><?xml version="1.0" encoding="utf-8"?>
+<p:sld xmlns:a="http://schemas.openxmlformats.org/drawingml/2006/main" xmlns:r="http://schemas.openxmlformats.org/officeDocument/2006/relationships" xmlns:p="http://schemas.openxmlformats.org/presentationml/2006/main">
+  <p:cSld>
+    <p:spTree>
+      <p:nvGrpSpPr>
+        <p:cNvPr id="1" name=""/>
+        <p:cNvGrpSpPr/>
+        <p:nvPr/>
+      </p:nvGrpSpPr>
+      <p:grpSpPr/>
+      <p:sp>
+        <p:nvSpPr>
+          <p:cNvPr id="2" name="标题 1"/>
+          <p:cNvSpPr>
+            <a:spLocks noGrp="1"/>
+          </p:cNvSpPr>
+          <p:nvPr>
+            <p:ph type="ctrTitle"/>
+          </p:nvPr>
+        </p:nvSpPr>
+        <p:spPr/>
+        <p:txBody>
+          <a:bodyPr/>
+          <a:p>
+            <a:r>
+              <a:rPr lang="en-US" altLang="zh-CN"/>
+              <a:t>oculus link</a:t>
+            </a:r>
+            <a:endParaRPr lang="en-US" altLang="zh-CN"/>
+          </a:p>
+        </p:txBody>
+      </p:sp>
+      <p:sp>
+        <p:nvSpPr>
+          <p:cNvPr id="3" name="副标题 2"/>
+          <p:cNvSpPr>
+            <a:spLocks noGrp="1"/>
+          </p:cNvSpPr>
+          <p:nvPr>
+            <p:ph type="subTitle" idx="1"/>
+          </p:nvPr>
+        </p:nvSpPr>
+        <p:spPr/>
+        <p:txBody>
+          <a:bodyPr/>
+          <a:p>
+            <a:r>
+              <a:rPr lang="zh-CN" altLang="en-US"/>
+              <a:t>https://www.bilibili.com/video/BV1XJ411m7AS?from=search&amp;seid=11287340644124408129</a:t>
+            </a:r>
+            <a:endParaRPr lang="zh-CN" altLang="en-US"/>
+          </a:p>
+        </p:txBody>
+      </p:sp>
     </p:spTree>
   </p:cSld>
   <p:clrMapOvr>
